--- a/Submittables/research_plan_v1.pptx
+++ b/Submittables/research_plan_v1.pptx
@@ -267,7 +267,7 @@
           <a:p>
             <a:fld id="{47C9104C-5041-49DF-8E87-399B94274672}" type="datetimeFigureOut">
               <a:rPr lang="en-US" smtClean="0"/>
-              <a:t>12/12/2023</a:t>
+              <a:t>2/14/2024</a:t>
             </a:fld>
             <a:endParaRPr lang="en-US"/>
           </a:p>
@@ -467,7 +467,7 @@
           <a:p>
             <a:fld id="{47C9104C-5041-49DF-8E87-399B94274672}" type="datetimeFigureOut">
               <a:rPr lang="en-US" smtClean="0"/>
-              <a:t>12/12/2023</a:t>
+              <a:t>2/14/2024</a:t>
             </a:fld>
             <a:endParaRPr lang="en-US"/>
           </a:p>
@@ -677,7 +677,7 @@
           <a:p>
             <a:fld id="{47C9104C-5041-49DF-8E87-399B94274672}" type="datetimeFigureOut">
               <a:rPr lang="en-US" smtClean="0"/>
-              <a:t>12/12/2023</a:t>
+              <a:t>2/14/2024</a:t>
             </a:fld>
             <a:endParaRPr lang="en-US"/>
           </a:p>
@@ -877,7 +877,7 @@
           <a:p>
             <a:fld id="{47C9104C-5041-49DF-8E87-399B94274672}" type="datetimeFigureOut">
               <a:rPr lang="en-US" smtClean="0"/>
-              <a:t>12/12/2023</a:t>
+              <a:t>2/14/2024</a:t>
             </a:fld>
             <a:endParaRPr lang="en-US"/>
           </a:p>
@@ -1153,7 +1153,7 @@
           <a:p>
             <a:fld id="{47C9104C-5041-49DF-8E87-399B94274672}" type="datetimeFigureOut">
               <a:rPr lang="en-US" smtClean="0"/>
-              <a:t>12/12/2023</a:t>
+              <a:t>2/14/2024</a:t>
             </a:fld>
             <a:endParaRPr lang="en-US"/>
           </a:p>
@@ -1421,7 +1421,7 @@
           <a:p>
             <a:fld id="{47C9104C-5041-49DF-8E87-399B94274672}" type="datetimeFigureOut">
               <a:rPr lang="en-US" smtClean="0"/>
-              <a:t>12/12/2023</a:t>
+              <a:t>2/14/2024</a:t>
             </a:fld>
             <a:endParaRPr lang="en-US"/>
           </a:p>
@@ -1836,7 +1836,7 @@
           <a:p>
             <a:fld id="{47C9104C-5041-49DF-8E87-399B94274672}" type="datetimeFigureOut">
               <a:rPr lang="en-US" smtClean="0"/>
-              <a:t>12/12/2023</a:t>
+              <a:t>2/14/2024</a:t>
             </a:fld>
             <a:endParaRPr lang="en-US"/>
           </a:p>
@@ -1978,7 +1978,7 @@
           <a:p>
             <a:fld id="{47C9104C-5041-49DF-8E87-399B94274672}" type="datetimeFigureOut">
               <a:rPr lang="en-US" smtClean="0"/>
-              <a:t>12/12/2023</a:t>
+              <a:t>2/14/2024</a:t>
             </a:fld>
             <a:endParaRPr lang="en-US"/>
           </a:p>
@@ -2091,7 +2091,7 @@
           <a:p>
             <a:fld id="{47C9104C-5041-49DF-8E87-399B94274672}" type="datetimeFigureOut">
               <a:rPr lang="en-US" smtClean="0"/>
-              <a:t>12/12/2023</a:t>
+              <a:t>2/14/2024</a:t>
             </a:fld>
             <a:endParaRPr lang="en-US"/>
           </a:p>
@@ -2404,7 +2404,7 @@
           <a:p>
             <a:fld id="{47C9104C-5041-49DF-8E87-399B94274672}" type="datetimeFigureOut">
               <a:rPr lang="en-US" smtClean="0"/>
-              <a:t>12/12/2023</a:t>
+              <a:t>2/14/2024</a:t>
             </a:fld>
             <a:endParaRPr lang="en-US"/>
           </a:p>
@@ -2693,7 +2693,7 @@
           <a:p>
             <a:fld id="{47C9104C-5041-49DF-8E87-399B94274672}" type="datetimeFigureOut">
               <a:rPr lang="en-US" smtClean="0"/>
-              <a:t>12/12/2023</a:t>
+              <a:t>2/14/2024</a:t>
             </a:fld>
             <a:endParaRPr lang="en-US"/>
           </a:p>
@@ -2936,7 +2936,7 @@
           <a:p>
             <a:fld id="{47C9104C-5041-49DF-8E87-399B94274672}" type="datetimeFigureOut">
               <a:rPr lang="en-US" smtClean="0"/>
-              <a:t>12/12/2023</a:t>
+              <a:t>2/14/2024</a:t>
             </a:fld>
             <a:endParaRPr lang="en-US"/>
           </a:p>
@@ -3950,46 +3950,6 @@
           </a:p>
         </p:txBody>
       </p:sp>
-      <p:sp>
-        <p:nvSpPr>
-          <p:cNvPr id="6" name="TextBox 5">
-            <a:extLst>
-              <a:ext uri="{FF2B5EF4-FFF2-40B4-BE49-F238E27FC236}">
-                <a16:creationId xmlns:a16="http://schemas.microsoft.com/office/drawing/2014/main" id="{1CE64288-1E91-312F-9186-EDB9D92F10D4}"/>
-              </a:ext>
-            </a:extLst>
-          </p:cNvPr>
-          <p:cNvSpPr txBox="1"/>
-          <p:nvPr/>
-        </p:nvSpPr>
-        <p:spPr>
-          <a:xfrm>
-            <a:off x="8313683" y="384951"/>
-            <a:ext cx="788276" cy="369332"/>
-          </a:xfrm>
-          <a:prstGeom prst="rect">
-            <a:avLst/>
-          </a:prstGeom>
-          <a:noFill/>
-        </p:spPr>
-        <p:txBody>
-          <a:bodyPr wrap="square">
-            <a:spAutoFit/>
-          </a:bodyPr>
-          <a:lstStyle/>
-          <a:p>
-            <a:r>
-              <a:rPr lang="en-GB" sz="1800" b="0" i="1" u="none" dirty="0">
-                <a:solidFill>
-                  <a:srgbClr val="FF0000"/>
-                </a:solidFill>
-              </a:rPr>
-              <a:t>How?</a:t>
-            </a:r>
-            <a:endParaRPr lang="en-US" dirty="0"/>
-          </a:p>
-        </p:txBody>
-      </p:sp>
     </p:spTree>
     <p:extLst>
       <p:ext uri="{BB962C8B-B14F-4D97-AF65-F5344CB8AC3E}">
